--- a/baocao_LTNC.pptx
+++ b/baocao_LTNC.pptx
@@ -116,6 +116,22 @@
       </a:defRPr>
     </a:lvl9pPr>
   </p:defaultTextStyle>
+  <p:extLst>
+    <p:ext uri="{EFAFB233-063F-42B5-8137-9DF3F51BA10A}">
+      <p15:sldGuideLst xmlns:p15="http://schemas.microsoft.com/office/powerpoint/2012/main">
+        <p15:guide id="1" orient="horz" pos="2160">
+          <p15:clr>
+            <a:srgbClr val="A4A3A4"/>
+          </p15:clr>
+        </p15:guide>
+        <p15:guide id="2" pos="2880">
+          <p15:clr>
+            <a:srgbClr val="A4A3A4"/>
+          </p15:clr>
+        </p15:guide>
+      </p15:sldGuideLst>
+    </p:ext>
+  </p:extLst>
 </p:presentation>
 </file>
 
@@ -257,7 +273,7 @@
             <a:fld id="{CF774FF4-AB02-41AC-9683-31C156D2B4A5}" type="datetimeFigureOut">
               <a:rPr lang="en-US" smtClean="0"/>
               <a:pPr/>
-              <a:t>11/13/2017</a:t>
+              <a:t>11/15/2017</a:t>
             </a:fld>
             <a:endParaRPr lang="en-US"/>
           </a:p>
@@ -1131,7 +1147,7 @@
             <a:fld id="{CF774FF4-AB02-41AC-9683-31C156D2B4A5}" type="datetimeFigureOut">
               <a:rPr lang="en-US" smtClean="0"/>
               <a:pPr/>
-              <a:t>11/13/2017</a:t>
+              <a:t>11/15/2017</a:t>
             </a:fld>
             <a:endParaRPr lang="en-US"/>
           </a:p>
@@ -1311,7 +1327,7 @@
             <a:fld id="{CF774FF4-AB02-41AC-9683-31C156D2B4A5}" type="datetimeFigureOut">
               <a:rPr lang="en-US" smtClean="0"/>
               <a:pPr/>
-              <a:t>11/13/2017</a:t>
+              <a:t>11/15/2017</a:t>
             </a:fld>
             <a:endParaRPr lang="en-US"/>
           </a:p>
@@ -1486,7 +1502,7 @@
             <a:fld id="{CF774FF4-AB02-41AC-9683-31C156D2B4A5}" type="datetimeFigureOut">
               <a:rPr lang="en-US" smtClean="0"/>
               <a:pPr/>
-              <a:t>11/13/2017</a:t>
+              <a:t>11/15/2017</a:t>
             </a:fld>
             <a:endParaRPr lang="en-US"/>
           </a:p>
@@ -1701,7 +1717,7 @@
             <a:fld id="{CF774FF4-AB02-41AC-9683-31C156D2B4A5}" type="datetimeFigureOut">
               <a:rPr lang="en-US" smtClean="0"/>
               <a:pPr/>
-              <a:t>11/13/2017</a:t>
+              <a:t>11/15/2017</a:t>
             </a:fld>
             <a:endParaRPr lang="en-US"/>
           </a:p>
@@ -2520,7 +2536,7 @@
             <a:fld id="{CF774FF4-AB02-41AC-9683-31C156D2B4A5}" type="datetimeFigureOut">
               <a:rPr lang="en-US" smtClean="0"/>
               <a:pPr/>
-              <a:t>11/13/2017</a:t>
+              <a:t>11/15/2017</a:t>
             </a:fld>
             <a:endParaRPr lang="en-US"/>
           </a:p>
@@ -2761,7 +2777,7 @@
             <a:fld id="{CF774FF4-AB02-41AC-9683-31C156D2B4A5}" type="datetimeFigureOut">
               <a:rPr lang="en-US" smtClean="0"/>
               <a:pPr/>
-              <a:t>11/13/2017</a:t>
+              <a:t>11/15/2017</a:t>
             </a:fld>
             <a:endParaRPr lang="en-US"/>
           </a:p>
@@ -3089,7 +3105,7 @@
             <a:fld id="{CF774FF4-AB02-41AC-9683-31C156D2B4A5}" type="datetimeFigureOut">
               <a:rPr lang="en-US" smtClean="0"/>
               <a:pPr/>
-              <a:t>11/13/2017</a:t>
+              <a:t>11/15/2017</a:t>
             </a:fld>
             <a:endParaRPr lang="en-US"/>
           </a:p>
@@ -3184,7 +3200,7 @@
             <a:fld id="{CF774FF4-AB02-41AC-9683-31C156D2B4A5}" type="datetimeFigureOut">
               <a:rPr lang="en-US" smtClean="0"/>
               <a:pPr/>
-              <a:t>11/13/2017</a:t>
+              <a:t>11/15/2017</a:t>
             </a:fld>
             <a:endParaRPr lang="en-US"/>
           </a:p>
@@ -3706,7 +3722,7 @@
             <a:fld id="{CF774FF4-AB02-41AC-9683-31C156D2B4A5}" type="datetimeFigureOut">
               <a:rPr lang="en-US" smtClean="0"/>
               <a:pPr/>
-              <a:t>11/13/2017</a:t>
+              <a:t>11/15/2017</a:t>
             </a:fld>
             <a:endParaRPr lang="en-US"/>
           </a:p>
@@ -4222,7 +4238,7 @@
             <a:fld id="{CF774FF4-AB02-41AC-9683-31C156D2B4A5}" type="datetimeFigureOut">
               <a:rPr lang="en-US" smtClean="0"/>
               <a:pPr/>
-              <a:t>11/13/2017</a:t>
+              <a:t>11/15/2017</a:t>
             </a:fld>
             <a:endParaRPr lang="en-US"/>
           </a:p>
@@ -4472,7 +4488,7 @@
             <a:fld id="{CF774FF4-AB02-41AC-9683-31C156D2B4A5}" type="datetimeFigureOut">
               <a:rPr lang="en-US" smtClean="0"/>
               <a:pPr/>
-              <a:t>11/13/2017</a:t>
+              <a:t>11/15/2017</a:t>
             </a:fld>
             <a:endParaRPr lang="en-US"/>
           </a:p>
@@ -5125,11 +5141,7 @@
             </a:r>
             <a:r>
               <a:rPr lang="en-US" sz="2000" smtClean="0"/>
-              <a:t>Công </a:t>
-            </a:r>
-            <a:r>
-              <a:rPr lang="en-US" sz="2000" smtClean="0"/>
-              <a:t>nghệ : </a:t>
+              <a:t>Công nghệ : </a:t>
             </a:r>
             <a:r>
               <a:rPr lang="en-US" sz="2000" b="0" smtClean="0"/>
@@ -6983,29 +6995,32 @@
           </a:p>
         </p:txBody>
       </p:sp>
-      <p:sp>
-        <p:nvSpPr>
-          <p:cNvPr id="3" name="Content Placeholder 2"/>
-          <p:cNvSpPr>
-            <a:spLocks noGrp="1"/>
-          </p:cNvSpPr>
+      <p:pic>
+        <p:nvPicPr>
+          <p:cNvPr id="4" name="Content Placeholder 3"/>
+          <p:cNvPicPr>
+            <a:picLocks noGrp="1" noChangeAspect="1"/>
+          </p:cNvPicPr>
           <p:nvPr>
             <p:ph sz="quarter" idx="1"/>
           </p:nvPr>
-        </p:nvSpPr>
-        <p:spPr/>
-        <p:txBody>
-          <a:bodyPr/>
-          <a:lstStyle/>
-          <a:p>
-            <a:r>
-              <a:rPr lang="en-US" smtClean="0"/>
-              <a:t>Gồm những chức năng gì &gt;&gt;&gt;&gt;&gt;</a:t>
-            </a:r>
-            <a:endParaRPr lang="en-US"/>
-          </a:p>
-        </p:txBody>
-      </p:sp>
+        </p:nvPicPr>
+        <p:blipFill>
+          <a:blip r:embed="rId2"/>
+          <a:stretch>
+            <a:fillRect/>
+          </a:stretch>
+        </p:blipFill>
+        <p:spPr>
+          <a:xfrm>
+            <a:off x="457200" y="2154156"/>
+            <a:ext cx="7467600" cy="3765712"/>
+          </a:xfrm>
+          <a:prstGeom prst="rect">
+            <a:avLst/>
+          </a:prstGeom>
+        </p:spPr>
+      </p:pic>
     </p:spTree>
   </p:cSld>
   <p:clrMapOvr>
